--- a/IMS Presentation.pptx
+++ b/IMS Presentation.pptx
@@ -9,16 +9,19 @@
     <p:sldId id="257" r:id="rId3"/>
     <p:sldId id="258" r:id="rId4"/>
     <p:sldId id="265" r:id="rId5"/>
-    <p:sldId id="269" r:id="rId6"/>
-    <p:sldId id="270" r:id="rId7"/>
-    <p:sldId id="259" r:id="rId8"/>
-    <p:sldId id="266" r:id="rId9"/>
-    <p:sldId id="267" r:id="rId10"/>
+    <p:sldId id="259" r:id="rId6"/>
+    <p:sldId id="266" r:id="rId7"/>
+    <p:sldId id="267" r:id="rId8"/>
+    <p:sldId id="269" r:id="rId9"/>
+    <p:sldId id="270" r:id="rId10"/>
     <p:sldId id="260" r:id="rId11"/>
-    <p:sldId id="261" r:id="rId12"/>
-    <p:sldId id="262" r:id="rId13"/>
-    <p:sldId id="271" r:id="rId14"/>
-    <p:sldId id="268" r:id="rId15"/>
+    <p:sldId id="273" r:id="rId12"/>
+    <p:sldId id="261" r:id="rId13"/>
+    <p:sldId id="274" r:id="rId14"/>
+    <p:sldId id="262" r:id="rId15"/>
+    <p:sldId id="271" r:id="rId16"/>
+    <p:sldId id="272" r:id="rId17"/>
+    <p:sldId id="268" r:id="rId18"/>
   </p:sldIdLst>
   <p:sldSz cx="12192000" cy="6858000"/>
   <p:notesSz cx="6858000" cy="9144000"/>
@@ -859,7 +862,7 @@
           <a:p>
             <a:fld id="{C841F9B0-F2D4-4432-B4F1-82FC715610AB}" type="datetimeFigureOut">
               <a:rPr lang="en-GB" smtClean="0"/>
-              <a:t>13/02/2020</a:t>
+              <a:t>14/02/2020</a:t>
             </a:fld>
             <a:endParaRPr lang="en-GB"/>
           </a:p>
@@ -1110,7 +1113,7 @@
           <a:p>
             <a:fld id="{C841F9B0-F2D4-4432-B4F1-82FC715610AB}" type="datetimeFigureOut">
               <a:rPr lang="en-GB" smtClean="0"/>
-              <a:t>13/02/2020</a:t>
+              <a:t>14/02/2020</a:t>
             </a:fld>
             <a:endParaRPr lang="en-GB"/>
           </a:p>
@@ -1424,7 +1427,7 @@
           <a:p>
             <a:fld id="{C841F9B0-F2D4-4432-B4F1-82FC715610AB}" type="datetimeFigureOut">
               <a:rPr lang="en-GB" smtClean="0"/>
-              <a:t>13/02/2020</a:t>
+              <a:t>14/02/2020</a:t>
             </a:fld>
             <a:endParaRPr lang="en-GB"/>
           </a:p>
@@ -1765,7 +1768,7 @@
           <a:p>
             <a:fld id="{C841F9B0-F2D4-4432-B4F1-82FC715610AB}" type="datetimeFigureOut">
               <a:rPr lang="en-GB" smtClean="0"/>
-              <a:t>13/02/2020</a:t>
+              <a:t>14/02/2020</a:t>
             </a:fld>
             <a:endParaRPr lang="en-GB"/>
           </a:p>
@@ -2079,7 +2082,7 @@
           <a:p>
             <a:fld id="{C841F9B0-F2D4-4432-B4F1-82FC715610AB}" type="datetimeFigureOut">
               <a:rPr lang="en-GB" smtClean="0"/>
-              <a:t>13/02/2020</a:t>
+              <a:t>14/02/2020</a:t>
             </a:fld>
             <a:endParaRPr lang="en-GB"/>
           </a:p>
@@ -2472,7 +2475,7 @@
           <a:p>
             <a:fld id="{C841F9B0-F2D4-4432-B4F1-82FC715610AB}" type="datetimeFigureOut">
               <a:rPr lang="en-GB" smtClean="0"/>
-              <a:t>13/02/2020</a:t>
+              <a:t>14/02/2020</a:t>
             </a:fld>
             <a:endParaRPr lang="en-GB"/>
           </a:p>
@@ -2642,7 +2645,7 @@
           <a:p>
             <a:fld id="{C841F9B0-F2D4-4432-B4F1-82FC715610AB}" type="datetimeFigureOut">
               <a:rPr lang="en-GB" smtClean="0"/>
-              <a:t>13/02/2020</a:t>
+              <a:t>14/02/2020</a:t>
             </a:fld>
             <a:endParaRPr lang="en-GB"/>
           </a:p>
@@ -2822,7 +2825,7 @@
           <a:p>
             <a:fld id="{C841F9B0-F2D4-4432-B4F1-82FC715610AB}" type="datetimeFigureOut">
               <a:rPr lang="en-GB" smtClean="0"/>
-              <a:t>13/02/2020</a:t>
+              <a:t>14/02/2020</a:t>
             </a:fld>
             <a:endParaRPr lang="en-GB"/>
           </a:p>
@@ -2998,7 +3001,7 @@
           <a:p>
             <a:fld id="{C841F9B0-F2D4-4432-B4F1-82FC715610AB}" type="datetimeFigureOut">
               <a:rPr lang="en-GB" smtClean="0"/>
-              <a:t>13/02/2020</a:t>
+              <a:t>14/02/2020</a:t>
             </a:fld>
             <a:endParaRPr lang="en-GB"/>
           </a:p>
@@ -3245,7 +3248,7 @@
           <a:p>
             <a:fld id="{C841F9B0-F2D4-4432-B4F1-82FC715610AB}" type="datetimeFigureOut">
               <a:rPr lang="en-GB" smtClean="0"/>
-              <a:t>13/02/2020</a:t>
+              <a:t>14/02/2020</a:t>
             </a:fld>
             <a:endParaRPr lang="en-GB"/>
           </a:p>
@@ -3477,7 +3480,7 @@
           <a:p>
             <a:fld id="{C841F9B0-F2D4-4432-B4F1-82FC715610AB}" type="datetimeFigureOut">
               <a:rPr lang="en-GB" smtClean="0"/>
-              <a:t>13/02/2020</a:t>
+              <a:t>14/02/2020</a:t>
             </a:fld>
             <a:endParaRPr lang="en-GB"/>
           </a:p>
@@ -3851,7 +3854,7 @@
           <a:p>
             <a:fld id="{C841F9B0-F2D4-4432-B4F1-82FC715610AB}" type="datetimeFigureOut">
               <a:rPr lang="en-GB" smtClean="0"/>
-              <a:t>13/02/2020</a:t>
+              <a:t>14/02/2020</a:t>
             </a:fld>
             <a:endParaRPr lang="en-GB"/>
           </a:p>
@@ -3974,7 +3977,7 @@
           <a:p>
             <a:fld id="{C841F9B0-F2D4-4432-B4F1-82FC715610AB}" type="datetimeFigureOut">
               <a:rPr lang="en-GB" smtClean="0"/>
-              <a:t>13/02/2020</a:t>
+              <a:t>14/02/2020</a:t>
             </a:fld>
             <a:endParaRPr lang="en-GB"/>
           </a:p>
@@ -4069,7 +4072,7 @@
           <a:p>
             <a:fld id="{C841F9B0-F2D4-4432-B4F1-82FC715610AB}" type="datetimeFigureOut">
               <a:rPr lang="en-GB" smtClean="0"/>
-              <a:t>13/02/2020</a:t>
+              <a:t>14/02/2020</a:t>
             </a:fld>
             <a:endParaRPr lang="en-GB"/>
           </a:p>
@@ -4324,7 +4327,7 @@
           <a:p>
             <a:fld id="{C841F9B0-F2D4-4432-B4F1-82FC715610AB}" type="datetimeFigureOut">
               <a:rPr lang="en-GB" smtClean="0"/>
-              <a:t>13/02/2020</a:t>
+              <a:t>14/02/2020</a:t>
             </a:fld>
             <a:endParaRPr lang="en-GB"/>
           </a:p>
@@ -4587,7 +4590,7 @@
           <a:p>
             <a:fld id="{C841F9B0-F2D4-4432-B4F1-82FC715610AB}" type="datetimeFigureOut">
               <a:rPr lang="en-GB" smtClean="0"/>
-              <a:t>13/02/2020</a:t>
+              <a:t>14/02/2020</a:t>
             </a:fld>
             <a:endParaRPr lang="en-GB"/>
           </a:p>
@@ -5330,7 +5333,7 @@
           <a:p>
             <a:fld id="{C841F9B0-F2D4-4432-B4F1-82FC715610AB}" type="datetimeFigureOut">
               <a:rPr lang="en-GB" smtClean="0"/>
-              <a:t>13/02/2020</a:t>
+              <a:t>14/02/2020</a:t>
             </a:fld>
             <a:endParaRPr lang="en-GB"/>
           </a:p>
@@ -5919,6 +5922,13 @@
   <p:clrMapOvr>
     <a:masterClrMapping/>
   </p:clrMapOvr>
+  <p:timing>
+    <p:tnLst>
+      <p:par>
+        <p:cTn id="1" dur="indefinite" restart="never" nodeType="tmRoot"/>
+      </p:par>
+    </p:tnLst>
+  </p:timing>
 </p:sld>
 </file>
 
@@ -5984,35 +5994,57 @@
           <a:p>
             <a:r>
               <a:rPr lang="en-GB" dirty="0"/>
-              <a:t>Single Responsibility principle. DAO only access one database</a:t>
-            </a:r>
-          </a:p>
-          <a:p>
-            <a:r>
-              <a:rPr lang="en-GB" dirty="0"/>
-              <a:t>Open/closed principle. </a:t>
-            </a:r>
-          </a:p>
-          <a:p>
-            <a:r>
-              <a:rPr lang="en-GB" dirty="0"/>
-              <a:t>L any subclass can be substituted for its parent class with the code still functioning </a:t>
-            </a:r>
-          </a:p>
-          <a:p>
-            <a:r>
-              <a:rPr lang="en-GB" dirty="0"/>
-              <a:t>I</a:t>
-            </a:r>
-          </a:p>
-          <a:p>
-            <a:r>
-              <a:rPr lang="en-GB" dirty="0"/>
-              <a:t>d</a:t>
-            </a:r>
-          </a:p>
-        </p:txBody>
-      </p:sp>
+              <a:t>Single Responsibility principle. DAO only access one </a:t>
+            </a:r>
+            <a:r>
+              <a:rPr lang="en-GB" dirty="0" smtClean="0"/>
+              <a:t>database</a:t>
+            </a:r>
+            <a:endParaRPr lang="en-GB" dirty="0"/>
+          </a:p>
+        </p:txBody>
+      </p:sp>
+      <p:pic>
+        <p:nvPicPr>
+          <p:cNvPr id="1030" name="Picture 6" descr="Image result for solid principles"/>
+          <p:cNvPicPr>
+            <a:picLocks noChangeAspect="1" noChangeArrowheads="1"/>
+          </p:cNvPicPr>
+          <p:nvPr/>
+        </p:nvPicPr>
+        <p:blipFill>
+          <a:blip r:embed="rId2">
+            <a:extLst>
+              <a:ext uri="{28A0092B-C50C-407E-A947-70E740481C1C}">
+                <a14:useLocalDpi xmlns:a14="http://schemas.microsoft.com/office/drawing/2010/main" val="0"/>
+              </a:ext>
+            </a:extLst>
+          </a:blip>
+          <a:srcRect/>
+          <a:stretch>
+            <a:fillRect/>
+          </a:stretch>
+        </p:blipFill>
+        <p:spPr bwMode="auto">
+          <a:xfrm>
+            <a:off x="3412123" y="3402937"/>
+            <a:ext cx="3381375" cy="2943225"/>
+          </a:xfrm>
+          <a:prstGeom prst="rect">
+            <a:avLst/>
+          </a:prstGeom>
+          <a:noFill/>
+          <a:extLst>
+            <a:ext uri="{909E8E84-426E-40DD-AFC4-6F175D3DCCD1}">
+              <a14:hiddenFill xmlns:a14="http://schemas.microsoft.com/office/drawing/2010/main">
+                <a:solidFill>
+                  <a:srgbClr val="FFFFFF"/>
+                </a:solidFill>
+              </a14:hiddenFill>
+            </a:ext>
+          </a:extLst>
+        </p:spPr>
+      </p:pic>
     </p:spTree>
     <p:extLst>
       <p:ext uri="{BB962C8B-B14F-4D97-AF65-F5344CB8AC3E}">
@@ -6023,6 +6055,13 @@
   <p:clrMapOvr>
     <a:masterClrMapping/>
   </p:clrMapOvr>
+  <p:timing>
+    <p:tnLst>
+      <p:par>
+        <p:cTn id="1" dur="indefinite" restart="never" nodeType="tmRoot"/>
+      </p:par>
+    </p:tnLst>
+  </p:timing>
 </p:sld>
 </file>
 
@@ -6059,6 +6098,95 @@
           <a:lstStyle/>
           <a:p>
             <a:r>
+              <a:rPr lang="en-GB" dirty="0" err="1" smtClean="0"/>
+              <a:t>JavaDocs</a:t>
+            </a:r>
+            <a:endParaRPr lang="en-GB" dirty="0"/>
+          </a:p>
+        </p:txBody>
+      </p:sp>
+      <p:sp>
+        <p:nvSpPr>
+          <p:cNvPr id="3" name="Content Placeholder 2"/>
+          <p:cNvSpPr>
+            <a:spLocks noGrp="1"/>
+          </p:cNvSpPr>
+          <p:nvPr>
+            <p:ph idx="1"/>
+          </p:nvPr>
+        </p:nvSpPr>
+        <p:spPr/>
+        <p:txBody>
+          <a:bodyPr/>
+          <a:lstStyle/>
+          <a:p>
+            <a:r>
+              <a:rPr lang="en-GB" dirty="0" smtClean="0"/>
+              <a:t>Each package has its one package-info which details what each class does</a:t>
+            </a:r>
+          </a:p>
+          <a:p>
+            <a:r>
+              <a:rPr lang="en-GB" dirty="0" smtClean="0"/>
+              <a:t>Each class can provide information on method variables and return types</a:t>
+            </a:r>
+            <a:endParaRPr lang="en-GB" dirty="0"/>
+          </a:p>
+        </p:txBody>
+      </p:sp>
+    </p:spTree>
+    <p:extLst>
+      <p:ext uri="{BB962C8B-B14F-4D97-AF65-F5344CB8AC3E}">
+        <p14:creationId xmlns:p14="http://schemas.microsoft.com/office/powerpoint/2010/main" val="3358758210"/>
+      </p:ext>
+    </p:extLst>
+  </p:cSld>
+  <p:clrMapOvr>
+    <a:masterClrMapping/>
+  </p:clrMapOvr>
+  <p:timing>
+    <p:tnLst>
+      <p:par>
+        <p:cTn id="1" dur="indefinite" restart="never" nodeType="tmRoot"/>
+      </p:par>
+    </p:tnLst>
+  </p:timing>
+</p:sld>
+</file>
+
+<file path=ppt/slides/slide12.xml><?xml version="1.0" encoding="utf-8"?>
+<p:sld xmlns:a="http://schemas.openxmlformats.org/drawingml/2006/main" xmlns:r="http://schemas.openxmlformats.org/officeDocument/2006/relationships" xmlns:p="http://schemas.openxmlformats.org/presentationml/2006/main">
+  <p:cSld>
+    <p:spTree>
+      <p:nvGrpSpPr>
+        <p:cNvPr id="1" name=""/>
+        <p:cNvGrpSpPr/>
+        <p:nvPr/>
+      </p:nvGrpSpPr>
+      <p:grpSpPr>
+        <a:xfrm>
+          <a:off x="0" y="0"/>
+          <a:ext cx="0" cy="0"/>
+          <a:chOff x="0" y="0"/>
+          <a:chExt cx="0" cy="0"/>
+        </a:xfrm>
+      </p:grpSpPr>
+      <p:sp>
+        <p:nvSpPr>
+          <p:cNvPr id="2" name="Title 1"/>
+          <p:cNvSpPr>
+            <a:spLocks noGrp="1"/>
+          </p:cNvSpPr>
+          <p:nvPr>
+            <p:ph type="title"/>
+          </p:nvPr>
+        </p:nvSpPr>
+        <p:spPr/>
+        <p:txBody>
+          <a:bodyPr/>
+          <a:lstStyle/>
+          <a:p>
+            <a:r>
               <a:rPr lang="en-GB" b="1" dirty="0"/>
               <a:t>Testing</a:t>
             </a:r>
@@ -6114,10 +6242,138 @@
   <p:clrMapOvr>
     <a:masterClrMapping/>
   </p:clrMapOvr>
+  <p:timing>
+    <p:tnLst>
+      <p:par>
+        <p:cTn id="1" dur="indefinite" restart="never" nodeType="tmRoot"/>
+      </p:par>
+    </p:tnLst>
+  </p:timing>
 </p:sld>
 </file>
 
-<file path=ppt/slides/slide12.xml><?xml version="1.0" encoding="utf-8"?>
+<file path=ppt/slides/slide13.xml><?xml version="1.0" encoding="utf-8"?>
+<p:sld xmlns:a="http://schemas.openxmlformats.org/drawingml/2006/main" xmlns:r="http://schemas.openxmlformats.org/officeDocument/2006/relationships" xmlns:p="http://schemas.openxmlformats.org/presentationml/2006/main">
+  <p:cSld>
+    <p:spTree>
+      <p:nvGrpSpPr>
+        <p:cNvPr id="1" name=""/>
+        <p:cNvGrpSpPr/>
+        <p:nvPr/>
+      </p:nvGrpSpPr>
+      <p:grpSpPr>
+        <a:xfrm>
+          <a:off x="0" y="0"/>
+          <a:ext cx="0" cy="0"/>
+          <a:chOff x="0" y="0"/>
+          <a:chExt cx="0" cy="0"/>
+        </a:xfrm>
+      </p:grpSpPr>
+      <p:sp>
+        <p:nvSpPr>
+          <p:cNvPr id="2" name="Title 1"/>
+          <p:cNvSpPr>
+            <a:spLocks noGrp="1"/>
+          </p:cNvSpPr>
+          <p:nvPr>
+            <p:ph type="title"/>
+          </p:nvPr>
+        </p:nvSpPr>
+        <p:spPr/>
+        <p:txBody>
+          <a:bodyPr/>
+          <a:lstStyle/>
+          <a:p>
+            <a:r>
+              <a:rPr lang="en-GB" dirty="0" err="1" smtClean="0"/>
+              <a:t>Surefire</a:t>
+            </a:r>
+            <a:r>
+              <a:rPr lang="en-GB" dirty="0" smtClean="0"/>
+              <a:t> reports</a:t>
+            </a:r>
+            <a:endParaRPr lang="en-GB" dirty="0"/>
+          </a:p>
+        </p:txBody>
+      </p:sp>
+      <p:sp>
+        <p:nvSpPr>
+          <p:cNvPr id="3" name="Content Placeholder 2"/>
+          <p:cNvSpPr>
+            <a:spLocks noGrp="1"/>
+          </p:cNvSpPr>
+          <p:nvPr>
+            <p:ph idx="1"/>
+          </p:nvPr>
+        </p:nvSpPr>
+        <p:spPr/>
+        <p:txBody>
+          <a:bodyPr/>
+          <a:lstStyle/>
+          <a:p>
+            <a:r>
+              <a:rPr lang="en-GB" dirty="0" err="1" smtClean="0"/>
+              <a:t>Mvn</a:t>
+            </a:r>
+            <a:r>
+              <a:rPr lang="en-GB" dirty="0" smtClean="0"/>
+              <a:t> test</a:t>
+            </a:r>
+          </a:p>
+          <a:p>
+            <a:r>
+              <a:rPr lang="en-GB" dirty="0" err="1" smtClean="0"/>
+              <a:t>jococo</a:t>
+            </a:r>
+            <a:endParaRPr lang="en-GB" dirty="0"/>
+          </a:p>
+        </p:txBody>
+      </p:sp>
+      <p:pic>
+        <p:nvPicPr>
+          <p:cNvPr id="4" name="Picture 3"/>
+          <p:cNvPicPr>
+            <a:picLocks noChangeAspect="1"/>
+          </p:cNvPicPr>
+          <p:nvPr/>
+        </p:nvPicPr>
+        <p:blipFill>
+          <a:blip r:embed="rId2"/>
+          <a:stretch>
+            <a:fillRect/>
+          </a:stretch>
+        </p:blipFill>
+        <p:spPr>
+          <a:xfrm>
+            <a:off x="3489319" y="1739497"/>
+            <a:ext cx="5784683" cy="4301865"/>
+          </a:xfrm>
+          <a:prstGeom prst="rect">
+            <a:avLst/>
+          </a:prstGeom>
+        </p:spPr>
+      </p:pic>
+    </p:spTree>
+    <p:extLst>
+      <p:ext uri="{BB962C8B-B14F-4D97-AF65-F5344CB8AC3E}">
+        <p14:creationId xmlns:p14="http://schemas.microsoft.com/office/powerpoint/2010/main" val="2166858523"/>
+      </p:ext>
+    </p:extLst>
+  </p:cSld>
+  <p:clrMapOvr>
+    <a:masterClrMapping/>
+  </p:clrMapOvr>
+  <p:timing>
+    <p:tnLst>
+      <p:par>
+        <p:cTn id="1" dur="indefinite" restart="never" nodeType="tmRoot"/>
+      </p:par>
+    </p:tnLst>
+  </p:timing>
+</p:sld>
+</file>
+
+<file path=ppt/slides/slide14.xml><?xml version="1.0" encoding="utf-8"?>
 <p:sld xmlns:a="http://schemas.openxmlformats.org/drawingml/2006/main" xmlns:r="http://schemas.openxmlformats.org/officeDocument/2006/relationships" xmlns:p="http://schemas.openxmlformats.org/presentationml/2006/main">
   <p:cSld>
     <p:bg>
@@ -6150,7 +6406,7 @@
                 <a16:creationId xmlns:a16="http://schemas.microsoft.com/office/drawing/2014/main" id="{603AE127-802C-459A-A612-DB85B67F0DC0}"/>
               </a:ext>
               <a:ext uri="{C183D7F6-B498-43B3-948B-1728B52AA6E4}">
-                <adec:decorative xmlns:adec="http://schemas.microsoft.com/office/drawing/2017/decorative" val="1"/>
+                <adec:decorative xmlns:adec="http://schemas.microsoft.com/office/drawing/2017/decorative" xmlns="" val="1"/>
               </a:ext>
             </a:extLst>
           </p:cNvPr>
@@ -6240,7 +6496,7 @@
                 <a16:creationId xmlns:a16="http://schemas.microsoft.com/office/drawing/2014/main" id="{9323D83D-50D6-4040-A58B-FCEA340F886A}"/>
               </a:ext>
               <a:ext uri="{C183D7F6-B498-43B3-948B-1728B52AA6E4}">
-                <adec:decorative xmlns:adec="http://schemas.microsoft.com/office/drawing/2017/decorative" val="1"/>
+                <adec:decorative xmlns:adec="http://schemas.microsoft.com/office/drawing/2017/decorative" xmlns="" val="1"/>
               </a:ext>
             </a:extLst>
           </p:cNvPr>
@@ -6296,7 +6552,7 @@
                 <a16:creationId xmlns:a16="http://schemas.microsoft.com/office/drawing/2014/main" id="{1A1FE6BB-DFB2-4080-9B5E-076EF5DDE67B}"/>
               </a:ext>
               <a:ext uri="{C183D7F6-B498-43B3-948B-1728B52AA6E4}">
-                <adec:decorative xmlns:adec="http://schemas.microsoft.com/office/drawing/2017/decorative" val="1"/>
+                <adec:decorative xmlns:adec="http://schemas.microsoft.com/office/drawing/2017/decorative" xmlns="" val="1"/>
               </a:ext>
             </a:extLst>
           </p:cNvPr>
@@ -6391,7 +6647,7 @@
                 <a16:creationId xmlns:a16="http://schemas.microsoft.com/office/drawing/2014/main" id="{F10FD715-4DCE-4779-B634-EC78315EA213}"/>
               </a:ext>
               <a:ext uri="{C183D7F6-B498-43B3-948B-1728B52AA6E4}">
-                <adec:decorative xmlns:adec="http://schemas.microsoft.com/office/drawing/2017/decorative" val="1"/>
+                <adec:decorative xmlns:adec="http://schemas.microsoft.com/office/drawing/2017/decorative" xmlns="" val="1"/>
               </a:ext>
             </a:extLst>
           </p:cNvPr>
@@ -6449,10 +6705,17 @@
   <p:clrMapOvr>
     <a:masterClrMapping/>
   </p:clrMapOvr>
+  <p:timing>
+    <p:tnLst>
+      <p:par>
+        <p:cTn id="1" dur="indefinite" restart="never" nodeType="tmRoot"/>
+      </p:par>
+    </p:tnLst>
+  </p:timing>
 </p:sld>
 </file>
 
-<file path=ppt/slides/slide13.xml><?xml version="1.0" encoding="utf-8"?>
+<file path=ppt/slides/slide15.xml><?xml version="1.0" encoding="utf-8"?>
 <p:sld xmlns:a="http://schemas.openxmlformats.org/drawingml/2006/main" xmlns:r="http://schemas.openxmlformats.org/officeDocument/2006/relationships" xmlns:p="http://schemas.openxmlformats.org/presentationml/2006/main">
   <p:cSld>
     <p:bg>
@@ -6485,7 +6748,7 @@
                 <a16:creationId xmlns:a16="http://schemas.microsoft.com/office/drawing/2014/main" id="{B4DE830A-B531-4A3B-96F6-0ECE88B08555}"/>
               </a:ext>
               <a:ext uri="{C183D7F6-B498-43B3-948B-1728B52AA6E4}">
-                <adec:decorative xmlns:adec="http://schemas.microsoft.com/office/drawing/2017/decorative" val="1"/>
+                <adec:decorative xmlns:adec="http://schemas.microsoft.com/office/drawing/2017/decorative" xmlns="" val="1"/>
               </a:ext>
             </a:extLst>
           </p:cNvPr>
@@ -6516,7 +6779,7 @@
                   <a16:creationId xmlns:a16="http://schemas.microsoft.com/office/drawing/2014/main" id="{2813DF2C-461A-4A8F-9679-A172790D1F3A}"/>
                 </a:ext>
                 <a:ext uri="{C183D7F6-B498-43B3-948B-1728B52AA6E4}">
-                  <adec:decorative xmlns:adec="http://schemas.microsoft.com/office/drawing/2017/decorative" val="1"/>
+                  <adec:decorative xmlns:adec="http://schemas.microsoft.com/office/drawing/2017/decorative" xmlns="" val="1"/>
                 </a:ext>
               </a:extLst>
             </p:cNvPr>
@@ -6568,7 +6831,7 @@
                   <a16:creationId xmlns:a16="http://schemas.microsoft.com/office/drawing/2014/main" id="{54CD3A85-C039-4249-86E4-1EB9318B5495}"/>
                 </a:ext>
                 <a:ext uri="{C183D7F6-B498-43B3-948B-1728B52AA6E4}">
-                  <adec:decorative xmlns:adec="http://schemas.microsoft.com/office/drawing/2017/decorative" val="1"/>
+                  <adec:decorative xmlns:adec="http://schemas.microsoft.com/office/drawing/2017/decorative" xmlns="" val="1"/>
                 </a:ext>
               </a:extLst>
             </p:cNvPr>
@@ -6620,7 +6883,7 @@
                   <a16:creationId xmlns:a16="http://schemas.microsoft.com/office/drawing/2014/main" id="{887EA6D2-2883-42C2-993D-094CA6D65DA3}"/>
                 </a:ext>
                 <a:ext uri="{C183D7F6-B498-43B3-948B-1728B52AA6E4}">
-                  <adec:decorative xmlns:adec="http://schemas.microsoft.com/office/drawing/2017/decorative" val="1"/>
+                  <adec:decorative xmlns:adec="http://schemas.microsoft.com/office/drawing/2017/decorative" xmlns="" val="1"/>
                 </a:ext>
               </a:extLst>
             </p:cNvPr>
@@ -6698,7 +6961,7 @@
                   <a16:creationId xmlns:a16="http://schemas.microsoft.com/office/drawing/2014/main" id="{3B895046-636F-4D1B-ACA4-29AA0CB3329F}"/>
                 </a:ext>
                 <a:ext uri="{C183D7F6-B498-43B3-948B-1728B52AA6E4}">
-                  <adec:decorative xmlns:adec="http://schemas.microsoft.com/office/drawing/2017/decorative" val="1"/>
+                  <adec:decorative xmlns:adec="http://schemas.microsoft.com/office/drawing/2017/decorative" xmlns="" val="1"/>
                 </a:ext>
               </a:extLst>
             </p:cNvPr>
@@ -6776,7 +7039,7 @@
                   <a16:creationId xmlns:a16="http://schemas.microsoft.com/office/drawing/2014/main" id="{C6B0CDE3-E054-4EDD-A43B-F96843D8BF51}"/>
                 </a:ext>
                 <a:ext uri="{C183D7F6-B498-43B3-948B-1728B52AA6E4}">
-                  <adec:decorative xmlns:adec="http://schemas.microsoft.com/office/drawing/2017/decorative" val="1"/>
+                  <adec:decorative xmlns:adec="http://schemas.microsoft.com/office/drawing/2017/decorative" xmlns="" val="1"/>
                 </a:ext>
               </a:extLst>
             </p:cNvPr>
@@ -6832,7 +7095,7 @@
                   <a16:creationId xmlns:a16="http://schemas.microsoft.com/office/drawing/2014/main" id="{3B66B1A2-F145-4C9B-85CC-4BF30D58CBC5}"/>
                 </a:ext>
                 <a:ext uri="{C183D7F6-B498-43B3-948B-1728B52AA6E4}">
-                  <adec:decorative xmlns:adec="http://schemas.microsoft.com/office/drawing/2017/decorative" val="1"/>
+                  <adec:decorative xmlns:adec="http://schemas.microsoft.com/office/drawing/2017/decorative" xmlns="" val="1"/>
                 </a:ext>
               </a:extLst>
             </p:cNvPr>
@@ -6911,7 +7174,7 @@
                   <a16:creationId xmlns:a16="http://schemas.microsoft.com/office/drawing/2014/main" id="{5D4FC972-94B3-4035-8D31-E668C132B411}"/>
                 </a:ext>
                 <a:ext uri="{C183D7F6-B498-43B3-948B-1728B52AA6E4}">
-                  <adec:decorative xmlns:adec="http://schemas.microsoft.com/office/drawing/2017/decorative" val="1"/>
+                  <adec:decorative xmlns:adec="http://schemas.microsoft.com/office/drawing/2017/decorative" xmlns="" val="1"/>
                 </a:ext>
               </a:extLst>
             </p:cNvPr>
@@ -6991,7 +7254,7 @@
                   <a16:creationId xmlns:a16="http://schemas.microsoft.com/office/drawing/2014/main" id="{374B9941-AFBE-4A77-A50E-B6EA04A746AE}"/>
                 </a:ext>
                 <a:ext uri="{C183D7F6-B498-43B3-948B-1728B52AA6E4}">
-                  <adec:decorative xmlns:adec="http://schemas.microsoft.com/office/drawing/2017/decorative" val="1"/>
+                  <adec:decorative xmlns:adec="http://schemas.microsoft.com/office/drawing/2017/decorative" xmlns="" val="1"/>
                 </a:ext>
               </a:extLst>
             </p:cNvPr>
@@ -7069,7 +7332,7 @@
                   <a16:creationId xmlns:a16="http://schemas.microsoft.com/office/drawing/2014/main" id="{27A982C5-2C38-4CE9-BC18-94697AD657FB}"/>
                 </a:ext>
                 <a:ext uri="{C183D7F6-B498-43B3-948B-1728B52AA6E4}">
-                  <adec:decorative xmlns:adec="http://schemas.microsoft.com/office/drawing/2017/decorative" val="1"/>
+                  <adec:decorative xmlns:adec="http://schemas.microsoft.com/office/drawing/2017/decorative" xmlns="" val="1"/>
                 </a:ext>
               </a:extLst>
             </p:cNvPr>
@@ -7125,7 +7388,7 @@
                   <a16:creationId xmlns:a16="http://schemas.microsoft.com/office/drawing/2014/main" id="{0060D8D1-7BB1-498F-AFBB-ADAC130A9E90}"/>
                 </a:ext>
                 <a:ext uri="{C183D7F6-B498-43B3-948B-1728B52AA6E4}">
-                  <adec:decorative xmlns:adec="http://schemas.microsoft.com/office/drawing/2017/decorative" val="1"/>
+                  <adec:decorative xmlns:adec="http://schemas.microsoft.com/office/drawing/2017/decorative" xmlns="" val="1"/>
                 </a:ext>
               </a:extLst>
             </p:cNvPr>
@@ -7259,10 +7522,17 @@
   <p:clrMapOvr>
     <a:masterClrMapping/>
   </p:clrMapOvr>
+  <p:timing>
+    <p:tnLst>
+      <p:par>
+        <p:cTn id="1" dur="indefinite" restart="never" nodeType="tmRoot"/>
+      </p:par>
+    </p:tnLst>
+  </p:timing>
 </p:sld>
 </file>
 
-<file path=ppt/slides/slide14.xml><?xml version="1.0" encoding="utf-8"?>
+<file path=ppt/slides/slide16.xml><?xml version="1.0" encoding="utf-8"?>
 <p:sld xmlns:a="http://schemas.openxmlformats.org/drawingml/2006/main" xmlns:r="http://schemas.openxmlformats.org/officeDocument/2006/relationships" xmlns:p="http://schemas.openxmlformats.org/presentationml/2006/main">
   <p:cSld>
     <p:spTree>
@@ -7281,6 +7551,90 @@
       </p:grpSpPr>
       <p:sp>
         <p:nvSpPr>
+          <p:cNvPr id="2" name="Title 1"/>
+          <p:cNvSpPr>
+            <a:spLocks noGrp="1"/>
+          </p:cNvSpPr>
+          <p:nvPr>
+            <p:ph type="title"/>
+          </p:nvPr>
+        </p:nvSpPr>
+        <p:spPr/>
+        <p:txBody>
+          <a:bodyPr/>
+          <a:lstStyle/>
+          <a:p>
+            <a:r>
+              <a:rPr lang="en-GB" dirty="0" smtClean="0"/>
+              <a:t>Nexus</a:t>
+            </a:r>
+            <a:endParaRPr lang="en-GB" dirty="0"/>
+          </a:p>
+        </p:txBody>
+      </p:sp>
+      <p:pic>
+        <p:nvPicPr>
+          <p:cNvPr id="4" name="Picture 3"/>
+          <p:cNvPicPr>
+            <a:picLocks noChangeAspect="1"/>
+          </p:cNvPicPr>
+          <p:nvPr/>
+        </p:nvPicPr>
+        <p:blipFill>
+          <a:blip r:embed="rId2"/>
+          <a:stretch>
+            <a:fillRect/>
+          </a:stretch>
+        </p:blipFill>
+        <p:spPr>
+          <a:xfrm>
+            <a:off x="1747405" y="1408171"/>
+            <a:ext cx="6286500" cy="5086350"/>
+          </a:xfrm>
+          <a:prstGeom prst="rect">
+            <a:avLst/>
+          </a:prstGeom>
+        </p:spPr>
+      </p:pic>
+    </p:spTree>
+    <p:extLst>
+      <p:ext uri="{BB962C8B-B14F-4D97-AF65-F5344CB8AC3E}">
+        <p14:creationId xmlns:p14="http://schemas.microsoft.com/office/powerpoint/2010/main" val="1616466241"/>
+      </p:ext>
+    </p:extLst>
+  </p:cSld>
+  <p:clrMapOvr>
+    <a:masterClrMapping/>
+  </p:clrMapOvr>
+  <p:timing>
+    <p:tnLst>
+      <p:par>
+        <p:cTn id="1" dur="indefinite" restart="never" nodeType="tmRoot"/>
+      </p:par>
+    </p:tnLst>
+  </p:timing>
+</p:sld>
+</file>
+
+<file path=ppt/slides/slide17.xml><?xml version="1.0" encoding="utf-8"?>
+<p:sld xmlns:a="http://schemas.openxmlformats.org/drawingml/2006/main" xmlns:r="http://schemas.openxmlformats.org/officeDocument/2006/relationships" xmlns:p="http://schemas.openxmlformats.org/presentationml/2006/main">
+  <p:cSld>
+    <p:spTree>
+      <p:nvGrpSpPr>
+        <p:cNvPr id="1" name=""/>
+        <p:cNvGrpSpPr/>
+        <p:nvPr/>
+      </p:nvGrpSpPr>
+      <p:grpSpPr>
+        <a:xfrm>
+          <a:off x="0" y="0"/>
+          <a:ext cx="0" cy="0"/>
+          <a:chOff x="0" y="0"/>
+          <a:chExt cx="0" cy="0"/>
+        </a:xfrm>
+      </p:grpSpPr>
+      <p:sp>
+        <p:nvSpPr>
           <p:cNvPr id="2" name="Title 1">
             <a:extLst>
               <a:ext uri="{FF2B5EF4-FFF2-40B4-BE49-F238E27FC236}">
@@ -7342,6 +7696,13 @@
   <p:clrMapOvr>
     <a:masterClrMapping/>
   </p:clrMapOvr>
+  <p:timing>
+    <p:tnLst>
+      <p:par>
+        <p:cTn id="1" dur="indefinite" restart="never" nodeType="tmRoot"/>
+      </p:par>
+    </p:tnLst>
+  </p:timing>
 </p:sld>
 </file>
 
@@ -7378,7 +7739,7 @@
                 <a16:creationId xmlns:a16="http://schemas.microsoft.com/office/drawing/2014/main" id="{0B5F7E3B-C5F1-40E0-A491-558BAFBC1127}"/>
               </a:ext>
               <a:ext uri="{C183D7F6-B498-43B3-948B-1728B52AA6E4}">
-                <adec:decorative xmlns:adec="http://schemas.microsoft.com/office/drawing/2017/decorative" val="1"/>
+                <adec:decorative xmlns:adec="http://schemas.microsoft.com/office/drawing/2017/decorative" xmlns="" val="1"/>
               </a:ext>
             </a:extLst>
           </p:cNvPr>
@@ -7497,6 +7858,13 @@
   <p:clrMapOvr>
     <a:masterClrMapping/>
   </p:clrMapOvr>
+  <p:timing>
+    <p:tnLst>
+      <p:par>
+        <p:cTn id="1" dur="indefinite" restart="never" nodeType="tmRoot"/>
+      </p:par>
+    </p:tnLst>
+  </p:timing>
 </p:sld>
 </file>
 
@@ -7533,7 +7901,7 @@
                 <a16:creationId xmlns:a16="http://schemas.microsoft.com/office/drawing/2014/main" id="{603AE127-802C-459A-A612-DB85B67F0DC0}"/>
               </a:ext>
               <a:ext uri="{C183D7F6-B498-43B3-948B-1728B52AA6E4}">
-                <adec:decorative xmlns:adec="http://schemas.microsoft.com/office/drawing/2017/decorative" val="1"/>
+                <adec:decorative xmlns:adec="http://schemas.microsoft.com/office/drawing/2017/decorative" xmlns="" val="1"/>
               </a:ext>
             </a:extLst>
           </p:cNvPr>
@@ -7622,7 +7990,7 @@
                 <a16:creationId xmlns:a16="http://schemas.microsoft.com/office/drawing/2014/main" id="{9323D83D-50D6-4040-A58B-FCEA340F886A}"/>
               </a:ext>
               <a:ext uri="{C183D7F6-B498-43B3-948B-1728B52AA6E4}">
-                <adec:decorative xmlns:adec="http://schemas.microsoft.com/office/drawing/2017/decorative" val="1"/>
+                <adec:decorative xmlns:adec="http://schemas.microsoft.com/office/drawing/2017/decorative" xmlns="" val="1"/>
               </a:ext>
             </a:extLst>
           </p:cNvPr>
@@ -7678,7 +8046,7 @@
                 <a16:creationId xmlns:a16="http://schemas.microsoft.com/office/drawing/2014/main" id="{1A1FE6BB-DFB2-4080-9B5E-076EF5DDE67B}"/>
               </a:ext>
               <a:ext uri="{C183D7F6-B498-43B3-948B-1728B52AA6E4}">
-                <adec:decorative xmlns:adec="http://schemas.microsoft.com/office/drawing/2017/decorative" val="1"/>
+                <adec:decorative xmlns:adec="http://schemas.microsoft.com/office/drawing/2017/decorative" xmlns="" val="1"/>
               </a:ext>
             </a:extLst>
           </p:cNvPr>
@@ -7821,7 +8189,7 @@
                 <a16:creationId xmlns:a16="http://schemas.microsoft.com/office/drawing/2014/main" id="{F10FD715-4DCE-4779-B634-EC78315EA213}"/>
               </a:ext>
               <a:ext uri="{C183D7F6-B498-43B3-948B-1728B52AA6E4}">
-                <adec:decorative xmlns:adec="http://schemas.microsoft.com/office/drawing/2017/decorative" val="1"/>
+                <adec:decorative xmlns:adec="http://schemas.microsoft.com/office/drawing/2017/decorative" xmlns="" val="1"/>
               </a:ext>
             </a:extLst>
           </p:cNvPr>
@@ -7879,6 +8247,13 @@
   <p:clrMapOvr>
     <a:masterClrMapping/>
   </p:clrMapOvr>
+  <p:timing>
+    <p:tnLst>
+      <p:par>
+        <p:cTn id="1" dur="indefinite" restart="never" nodeType="tmRoot"/>
+      </p:par>
+    </p:tnLst>
+  </p:timing>
 </p:sld>
 </file>
 
@@ -7980,6 +8355,13 @@
   <p:clrMapOvr>
     <a:masterClrMapping/>
   </p:clrMapOvr>
+  <p:timing>
+    <p:tnLst>
+      <p:par>
+        <p:cTn id="1" dur="indefinite" restart="never" nodeType="tmRoot"/>
+      </p:par>
+    </p:tnLst>
+  </p:timing>
 </p:sld>
 </file>
 
@@ -8016,6 +8398,373 @@
           <a:lstStyle/>
           <a:p>
             <a:r>
+              <a:rPr lang="en-GB" b="1" dirty="0" err="1"/>
+              <a:t>TrelloBoard</a:t>
+            </a:r>
+            <a:endParaRPr lang="en-GB" b="1" dirty="0"/>
+          </a:p>
+        </p:txBody>
+      </p:sp>
+      <p:pic>
+        <p:nvPicPr>
+          <p:cNvPr id="4" name="Content Placeholder 3">
+            <a:extLst>
+              <a:ext uri="{FF2B5EF4-FFF2-40B4-BE49-F238E27FC236}">
+                <a16:creationId xmlns:a16="http://schemas.microsoft.com/office/drawing/2014/main" id="{518A3D23-3AD4-42CB-B6B2-2C09655F3982}"/>
+              </a:ext>
+            </a:extLst>
+          </p:cNvPr>
+          <p:cNvPicPr>
+            <a:picLocks noGrp="1" noChangeAspect="1"/>
+          </p:cNvPicPr>
+          <p:nvPr>
+            <p:ph idx="1"/>
+          </p:nvPr>
+        </p:nvPicPr>
+        <p:blipFill>
+          <a:blip r:embed="rId2"/>
+          <a:stretch>
+            <a:fillRect/>
+          </a:stretch>
+        </p:blipFill>
+        <p:spPr>
+          <a:xfrm>
+            <a:off x="1265859" y="1488281"/>
+            <a:ext cx="7419617" cy="3881437"/>
+          </a:xfrm>
+          <a:prstGeom prst="rect">
+            <a:avLst/>
+          </a:prstGeom>
+        </p:spPr>
+      </p:pic>
+      <p:sp>
+        <p:nvSpPr>
+          <p:cNvPr id="7" name="TextBox 6">
+            <a:extLst>
+              <a:ext uri="{FF2B5EF4-FFF2-40B4-BE49-F238E27FC236}">
+                <a16:creationId xmlns:a16="http://schemas.microsoft.com/office/drawing/2014/main" id="{1D38D879-B9AC-40AB-A184-F89197D7E6D8}"/>
+              </a:ext>
+            </a:extLst>
+          </p:cNvPr>
+          <p:cNvSpPr txBox="1"/>
+          <p:nvPr/>
+        </p:nvSpPr>
+        <p:spPr>
+          <a:xfrm>
+            <a:off x="2451370" y="5879067"/>
+            <a:ext cx="5194571" cy="923330"/>
+          </a:xfrm>
+          <a:prstGeom prst="rect">
+            <a:avLst/>
+          </a:prstGeom>
+          <a:noFill/>
+        </p:spPr>
+        <p:txBody>
+          <a:bodyPr wrap="square" rtlCol="0">
+            <a:spAutoFit/>
+          </a:bodyPr>
+          <a:lstStyle/>
+          <a:p>
+            <a:r>
+              <a:rPr lang="en-GB" dirty="0">
+                <a:hlinkClick r:id="rId3"/>
+              </a:rPr>
+              <a:t>https://trello.com/invite/b/vAkjOJzQ/c5ad6c21e4d1dca09cfbc4ec31b75c05/qa-week-5-project</a:t>
+            </a:r>
+            <a:endParaRPr lang="en-GB" dirty="0"/>
+          </a:p>
+          <a:p>
+            <a:endParaRPr lang="en-GB" dirty="0"/>
+          </a:p>
+        </p:txBody>
+      </p:sp>
+    </p:spTree>
+    <p:extLst>
+      <p:ext uri="{BB962C8B-B14F-4D97-AF65-F5344CB8AC3E}">
+        <p14:creationId xmlns:p14="http://schemas.microsoft.com/office/powerpoint/2010/main" val="543153889"/>
+      </p:ext>
+    </p:extLst>
+  </p:cSld>
+  <p:clrMapOvr>
+    <a:masterClrMapping/>
+  </p:clrMapOvr>
+  <p:timing>
+    <p:tnLst>
+      <p:par>
+        <p:cTn id="1" dur="indefinite" restart="never" nodeType="tmRoot"/>
+      </p:par>
+    </p:tnLst>
+  </p:timing>
+</p:sld>
+</file>
+
+<file path=ppt/slides/slide6.xml><?xml version="1.0" encoding="utf-8"?>
+<p:sld xmlns:a="http://schemas.openxmlformats.org/drawingml/2006/main" xmlns:r="http://schemas.openxmlformats.org/officeDocument/2006/relationships" xmlns:p="http://schemas.openxmlformats.org/presentationml/2006/main">
+  <p:cSld>
+    <p:spTree>
+      <p:nvGrpSpPr>
+        <p:cNvPr id="1" name=""/>
+        <p:cNvGrpSpPr/>
+        <p:nvPr/>
+      </p:nvGrpSpPr>
+      <p:grpSpPr>
+        <a:xfrm>
+          <a:off x="0" y="0"/>
+          <a:ext cx="0" cy="0"/>
+          <a:chOff x="0" y="0"/>
+          <a:chExt cx="0" cy="0"/>
+        </a:xfrm>
+      </p:grpSpPr>
+      <p:sp>
+        <p:nvSpPr>
+          <p:cNvPr id="2" name="Title 1"/>
+          <p:cNvSpPr>
+            <a:spLocks noGrp="1"/>
+          </p:cNvSpPr>
+          <p:nvPr>
+            <p:ph type="title"/>
+          </p:nvPr>
+        </p:nvSpPr>
+        <p:spPr/>
+        <p:txBody>
+          <a:bodyPr/>
+          <a:lstStyle/>
+          <a:p>
+            <a:r>
+              <a:rPr lang="en-GB" b="1" dirty="0"/>
+              <a:t>Unified Modelling Language</a:t>
+            </a:r>
+          </a:p>
+        </p:txBody>
+      </p:sp>
+      <p:pic>
+        <p:nvPicPr>
+          <p:cNvPr id="4" name="Content Placeholder 3">
+            <a:extLst>
+              <a:ext uri="{FF2B5EF4-FFF2-40B4-BE49-F238E27FC236}">
+                <a16:creationId xmlns:a16="http://schemas.microsoft.com/office/drawing/2014/main" id="{518A3D23-3AD4-42CB-B6B2-2C09655F3982}"/>
+              </a:ext>
+            </a:extLst>
+          </p:cNvPr>
+          <p:cNvPicPr>
+            <a:picLocks noGrp="1" noChangeAspect="1"/>
+          </p:cNvPicPr>
+          <p:nvPr>
+            <p:ph idx="1"/>
+          </p:nvPr>
+        </p:nvPicPr>
+        <p:blipFill>
+          <a:blip r:embed="rId2" cstate="print">
+            <a:extLst>
+              <a:ext uri="{28A0092B-C50C-407E-A947-70E740481C1C}">
+                <a14:useLocalDpi xmlns:a14="http://schemas.microsoft.com/office/drawing/2010/main" val="0"/>
+              </a:ext>
+            </a:extLst>
+          </a:blip>
+          <a:srcRect/>
+          <a:stretch/>
+        </p:blipFill>
+        <p:spPr>
+          <a:xfrm>
+            <a:off x="1265859" y="2201862"/>
+            <a:ext cx="7419617" cy="2454274"/>
+          </a:xfrm>
+          <a:prstGeom prst="rect">
+            <a:avLst/>
+          </a:prstGeom>
+        </p:spPr>
+      </p:pic>
+      <p:sp>
+        <p:nvSpPr>
+          <p:cNvPr id="5" name="Rectangle 4"/>
+          <p:cNvSpPr/>
+          <p:nvPr/>
+        </p:nvSpPr>
+        <p:spPr>
+          <a:xfrm>
+            <a:off x="1927667" y="5913203"/>
+            <a:ext cx="6096000" cy="646331"/>
+          </a:xfrm>
+          <a:prstGeom prst="rect">
+            <a:avLst/>
+          </a:prstGeom>
+        </p:spPr>
+        <p:txBody>
+          <a:bodyPr>
+            <a:spAutoFit/>
+          </a:bodyPr>
+          <a:lstStyle/>
+          <a:p>
+            <a:r>
+              <a:rPr lang="en-GB" dirty="0">
+                <a:hlinkClick r:id="rId3"/>
+              </a:rPr>
+              <a:t>https://</a:t>
+            </a:r>
+            <a:r>
+              <a:rPr lang="en-GB" dirty="0" smtClean="0">
+                <a:hlinkClick r:id="rId3"/>
+              </a:rPr>
+              <a:t>github.com/tylerjohneddy/tyler-ims/blob/master/Tyler-ims.umlcd.png</a:t>
+            </a:r>
+            <a:r>
+              <a:rPr lang="en-GB" dirty="0" smtClean="0"/>
+              <a:t> </a:t>
+            </a:r>
+            <a:endParaRPr lang="en-GB" dirty="0"/>
+          </a:p>
+        </p:txBody>
+      </p:sp>
+    </p:spTree>
+    <p:extLst>
+      <p:ext uri="{BB962C8B-B14F-4D97-AF65-F5344CB8AC3E}">
+        <p14:creationId xmlns:p14="http://schemas.microsoft.com/office/powerpoint/2010/main" val="3030490415"/>
+      </p:ext>
+    </p:extLst>
+  </p:cSld>
+  <p:clrMapOvr>
+    <a:masterClrMapping/>
+  </p:clrMapOvr>
+  <p:timing>
+    <p:tnLst>
+      <p:par>
+        <p:cTn id="1" dur="indefinite" restart="never" nodeType="tmRoot"/>
+      </p:par>
+    </p:tnLst>
+  </p:timing>
+</p:sld>
+</file>
+
+<file path=ppt/slides/slide7.xml><?xml version="1.0" encoding="utf-8"?>
+<p:sld xmlns:a="http://schemas.openxmlformats.org/drawingml/2006/main" xmlns:r="http://schemas.openxmlformats.org/officeDocument/2006/relationships" xmlns:p="http://schemas.openxmlformats.org/presentationml/2006/main">
+  <p:cSld>
+    <p:spTree>
+      <p:nvGrpSpPr>
+        <p:cNvPr id="1" name=""/>
+        <p:cNvGrpSpPr/>
+        <p:nvPr/>
+      </p:nvGrpSpPr>
+      <p:grpSpPr>
+        <a:xfrm>
+          <a:off x="0" y="0"/>
+          <a:ext cx="0" cy="0"/>
+          <a:chOff x="0" y="0"/>
+          <a:chExt cx="0" cy="0"/>
+        </a:xfrm>
+      </p:grpSpPr>
+      <p:sp>
+        <p:nvSpPr>
+          <p:cNvPr id="2" name="Title 1"/>
+          <p:cNvSpPr>
+            <a:spLocks noGrp="1"/>
+          </p:cNvSpPr>
+          <p:nvPr>
+            <p:ph type="title"/>
+          </p:nvPr>
+        </p:nvSpPr>
+        <p:spPr/>
+        <p:txBody>
+          <a:bodyPr/>
+          <a:lstStyle/>
+          <a:p>
+            <a:r>
+              <a:rPr lang="en-GB" dirty="0"/>
+              <a:t>Entity–relationship model</a:t>
+            </a:r>
+            <a:endParaRPr lang="en-GB" b="1" dirty="0"/>
+          </a:p>
+        </p:txBody>
+      </p:sp>
+      <p:pic>
+        <p:nvPicPr>
+          <p:cNvPr id="4" name="Content Placeholder 3">
+            <a:extLst>
+              <a:ext uri="{FF2B5EF4-FFF2-40B4-BE49-F238E27FC236}">
+                <a16:creationId xmlns:a16="http://schemas.microsoft.com/office/drawing/2014/main" id="{518A3D23-3AD4-42CB-B6B2-2C09655F3982}"/>
+              </a:ext>
+            </a:extLst>
+          </p:cNvPr>
+          <p:cNvPicPr>
+            <a:picLocks noGrp="1" noChangeAspect="1"/>
+          </p:cNvPicPr>
+          <p:nvPr>
+            <p:ph idx="1"/>
+          </p:nvPr>
+        </p:nvPicPr>
+        <p:blipFill>
+          <a:blip r:embed="rId2">
+            <a:extLst>
+              <a:ext uri="{28A0092B-C50C-407E-A947-70E740481C1C}">
+                <a14:useLocalDpi xmlns:a14="http://schemas.microsoft.com/office/drawing/2010/main" val="0"/>
+              </a:ext>
+            </a:extLst>
+          </a:blip>
+          <a:srcRect/>
+          <a:stretch/>
+        </p:blipFill>
+        <p:spPr>
+          <a:xfrm>
+            <a:off x="2876229" y="1488281"/>
+            <a:ext cx="4198878" cy="3881437"/>
+          </a:xfrm>
+          <a:prstGeom prst="rect">
+            <a:avLst/>
+          </a:prstGeom>
+        </p:spPr>
+      </p:pic>
+    </p:spTree>
+    <p:extLst>
+      <p:ext uri="{BB962C8B-B14F-4D97-AF65-F5344CB8AC3E}">
+        <p14:creationId xmlns:p14="http://schemas.microsoft.com/office/powerpoint/2010/main" val="1468845867"/>
+      </p:ext>
+    </p:extLst>
+  </p:cSld>
+  <p:clrMapOvr>
+    <a:masterClrMapping/>
+  </p:clrMapOvr>
+  <p:timing>
+    <p:tnLst>
+      <p:par>
+        <p:cTn id="1" dur="indefinite" restart="never" nodeType="tmRoot"/>
+      </p:par>
+    </p:tnLst>
+  </p:timing>
+</p:sld>
+</file>
+
+<file path=ppt/slides/slide8.xml><?xml version="1.0" encoding="utf-8"?>
+<p:sld xmlns:a="http://schemas.openxmlformats.org/drawingml/2006/main" xmlns:r="http://schemas.openxmlformats.org/officeDocument/2006/relationships" xmlns:p="http://schemas.openxmlformats.org/presentationml/2006/main">
+  <p:cSld>
+    <p:spTree>
+      <p:nvGrpSpPr>
+        <p:cNvPr id="1" name=""/>
+        <p:cNvGrpSpPr/>
+        <p:nvPr/>
+      </p:nvGrpSpPr>
+      <p:grpSpPr>
+        <a:xfrm>
+          <a:off x="0" y="0"/>
+          <a:ext cx="0" cy="0"/>
+          <a:chOff x="0" y="0"/>
+          <a:chExt cx="0" cy="0"/>
+        </a:xfrm>
+      </p:grpSpPr>
+      <p:sp>
+        <p:nvSpPr>
+          <p:cNvPr id="2" name="Title 1"/>
+          <p:cNvSpPr>
+            <a:spLocks noGrp="1"/>
+          </p:cNvSpPr>
+          <p:nvPr>
+            <p:ph type="title"/>
+          </p:nvPr>
+        </p:nvSpPr>
+        <p:spPr/>
+        <p:txBody>
+          <a:bodyPr/>
+          <a:lstStyle/>
+          <a:p>
+            <a:r>
               <a:rPr lang="en-GB" b="1" dirty="0"/>
               <a:t>Risk Assessment</a:t>
             </a:r>
@@ -8044,7 +8793,7 @@
         </p:nvGraphicFramePr>
         <p:xfrm>
           <a:off x="677334" y="1930400"/>
-          <a:ext cx="8596668" cy="3541312"/>
+          <a:ext cx="8596668" cy="3567220"/>
         </p:xfrm>
         <a:graphic>
           <a:graphicData uri="http://schemas.openxmlformats.org/drawingml/2006/table">
@@ -9254,6 +10003,21 @@
               <a:buNone/>
               <a:tabLst/>
             </a:pPr>
+            <a:r>
+              <a:rPr kumimoji="0" lang="en-GB" altLang="en-US" sz="1100" b="0" i="0" u="none" strike="noStrike" cap="none" normalizeH="0" baseline="0">
+                <a:ln>
+                  <a:noFill/>
+                </a:ln>
+                <a:solidFill>
+                  <a:srgbClr val="FFFFFF"/>
+                </a:solidFill>
+                <a:effectLst/>
+                <a:latin typeface="Arial" panose="020B0604020202020204" pitchFamily="34" charset="0"/>
+                <a:ea typeface="Calibri" panose="020F0502020204030204" pitchFamily="34" charset="0"/>
+                <a:cs typeface="Times New Roman" panose="02020603050405020304" pitchFamily="18" charset="0"/>
+              </a:rPr>
+              <a:t/>
+            </a:r>
             <a:br>
               <a:rPr kumimoji="0" lang="en-GB" altLang="en-US" sz="1100" b="0" i="0" u="none" strike="noStrike" cap="none" normalizeH="0" baseline="0">
                 <a:ln>
@@ -9319,10 +10083,17 @@
   <p:clrMapOvr>
     <a:masterClrMapping/>
   </p:clrMapOvr>
+  <p:timing>
+    <p:tnLst>
+      <p:par>
+        <p:cTn id="1" dur="indefinite" restart="never" nodeType="tmRoot"/>
+      </p:par>
+    </p:tnLst>
+  </p:timing>
 </p:sld>
 </file>
 
-<file path=ppt/slides/slide6.xml><?xml version="1.0" encoding="utf-8"?>
+<file path=ppt/slides/slide9.xml><?xml version="1.0" encoding="utf-8"?>
 <p:sld xmlns:a="http://schemas.openxmlformats.org/drawingml/2006/main" xmlns:r="http://schemas.openxmlformats.org/officeDocument/2006/relationships" xmlns:p="http://schemas.openxmlformats.org/presentationml/2006/main">
   <p:cSld>
     <p:spTree>
@@ -9442,6 +10213,21 @@
               <a:buNone/>
               <a:tabLst/>
             </a:pPr>
+            <a:r>
+              <a:rPr kumimoji="0" lang="en-GB" altLang="en-US" sz="1100" b="0" i="0" u="none" strike="noStrike" cap="none" normalizeH="0" baseline="0">
+                <a:ln>
+                  <a:noFill/>
+                </a:ln>
+                <a:solidFill>
+                  <a:srgbClr val="FFFFFF"/>
+                </a:solidFill>
+                <a:effectLst/>
+                <a:latin typeface="Arial" panose="020B0604020202020204" pitchFamily="34" charset="0"/>
+                <a:ea typeface="Calibri" panose="020F0502020204030204" pitchFamily="34" charset="0"/>
+                <a:cs typeface="Times New Roman" panose="02020603050405020304" pitchFamily="18" charset="0"/>
+              </a:rPr>
+              <a:t/>
+            </a:r>
             <a:br>
               <a:rPr kumimoji="0" lang="en-GB" altLang="en-US" sz="1100" b="0" i="0" u="none" strike="noStrike" cap="none" normalizeH="0" baseline="0">
                 <a:ln>
@@ -9519,7 +10305,7 @@
         </p:nvGraphicFramePr>
         <p:xfrm>
           <a:off x="677334" y="2298920"/>
-          <a:ext cx="8596312" cy="2424505"/>
+          <a:ext cx="8596312" cy="2446020"/>
         </p:xfrm>
         <a:graphic>
           <a:graphicData uri="http://schemas.openxmlformats.org/drawingml/2006/table">
@@ -10222,311 +11008,13 @@
   <p:clrMapOvr>
     <a:masterClrMapping/>
   </p:clrMapOvr>
-</p:sld>
-</file>
-
-<file path=ppt/slides/slide7.xml><?xml version="1.0" encoding="utf-8"?>
-<p:sld xmlns:a="http://schemas.openxmlformats.org/drawingml/2006/main" xmlns:r="http://schemas.openxmlformats.org/officeDocument/2006/relationships" xmlns:p="http://schemas.openxmlformats.org/presentationml/2006/main">
-  <p:cSld>
-    <p:spTree>
-      <p:nvGrpSpPr>
-        <p:cNvPr id="1" name=""/>
-        <p:cNvGrpSpPr/>
-        <p:nvPr/>
-      </p:nvGrpSpPr>
-      <p:grpSpPr>
-        <a:xfrm>
-          <a:off x="0" y="0"/>
-          <a:ext cx="0" cy="0"/>
-          <a:chOff x="0" y="0"/>
-          <a:chExt cx="0" cy="0"/>
-        </a:xfrm>
-      </p:grpSpPr>
-      <p:sp>
-        <p:nvSpPr>
-          <p:cNvPr id="2" name="Title 1"/>
-          <p:cNvSpPr>
-            <a:spLocks noGrp="1"/>
-          </p:cNvSpPr>
-          <p:nvPr>
-            <p:ph type="title"/>
-          </p:nvPr>
-        </p:nvSpPr>
-        <p:spPr/>
-        <p:txBody>
-          <a:bodyPr/>
-          <a:lstStyle/>
-          <a:p>
-            <a:r>
-              <a:rPr lang="en-GB" b="1" dirty="0" err="1"/>
-              <a:t>TrelloBoard</a:t>
-            </a:r>
-            <a:endParaRPr lang="en-GB" b="1" dirty="0"/>
-          </a:p>
-        </p:txBody>
-      </p:sp>
-      <p:pic>
-        <p:nvPicPr>
-          <p:cNvPr id="4" name="Content Placeholder 3">
-            <a:extLst>
-              <a:ext uri="{FF2B5EF4-FFF2-40B4-BE49-F238E27FC236}">
-                <a16:creationId xmlns:a16="http://schemas.microsoft.com/office/drawing/2014/main" id="{518A3D23-3AD4-42CB-B6B2-2C09655F3982}"/>
-              </a:ext>
-            </a:extLst>
-          </p:cNvPr>
-          <p:cNvPicPr>
-            <a:picLocks noGrp="1" noChangeAspect="1"/>
-          </p:cNvPicPr>
-          <p:nvPr>
-            <p:ph idx="1"/>
-          </p:nvPr>
-        </p:nvPicPr>
-        <p:blipFill>
-          <a:blip r:embed="rId2"/>
-          <a:stretch>
-            <a:fillRect/>
-          </a:stretch>
-        </p:blipFill>
-        <p:spPr>
-          <a:xfrm>
-            <a:off x="1265859" y="1488281"/>
-            <a:ext cx="7419617" cy="3881437"/>
-          </a:xfrm>
-          <a:prstGeom prst="rect">
-            <a:avLst/>
-          </a:prstGeom>
-        </p:spPr>
-      </p:pic>
-      <p:sp>
-        <p:nvSpPr>
-          <p:cNvPr id="7" name="TextBox 6">
-            <a:extLst>
-              <a:ext uri="{FF2B5EF4-FFF2-40B4-BE49-F238E27FC236}">
-                <a16:creationId xmlns:a16="http://schemas.microsoft.com/office/drawing/2014/main" id="{1D38D879-B9AC-40AB-A184-F89197D7E6D8}"/>
-              </a:ext>
-            </a:extLst>
-          </p:cNvPr>
-          <p:cNvSpPr txBox="1"/>
-          <p:nvPr/>
-        </p:nvSpPr>
-        <p:spPr>
-          <a:xfrm>
-            <a:off x="2451370" y="5879067"/>
-            <a:ext cx="5194571" cy="923330"/>
-          </a:xfrm>
-          <a:prstGeom prst="rect">
-            <a:avLst/>
-          </a:prstGeom>
-          <a:noFill/>
-        </p:spPr>
-        <p:txBody>
-          <a:bodyPr wrap="square" rtlCol="0">
-            <a:spAutoFit/>
-          </a:bodyPr>
-          <a:lstStyle/>
-          <a:p>
-            <a:r>
-              <a:rPr lang="en-GB" dirty="0">
-                <a:hlinkClick r:id="rId3"/>
-              </a:rPr>
-              <a:t>https://trello.com/invite/b/vAkjOJzQ/c5ad6c21e4d1dca09cfbc4ec31b75c05/qa-week-5-project</a:t>
-            </a:r>
-            <a:endParaRPr lang="en-GB" dirty="0"/>
-          </a:p>
-          <a:p>
-            <a:endParaRPr lang="en-GB" dirty="0"/>
-          </a:p>
-        </p:txBody>
-      </p:sp>
-    </p:spTree>
-    <p:extLst>
-      <p:ext uri="{BB962C8B-B14F-4D97-AF65-F5344CB8AC3E}">
-        <p14:creationId xmlns:p14="http://schemas.microsoft.com/office/powerpoint/2010/main" val="543153889"/>
-      </p:ext>
-    </p:extLst>
-  </p:cSld>
-  <p:clrMapOvr>
-    <a:masterClrMapping/>
-  </p:clrMapOvr>
-</p:sld>
-</file>
-
-<file path=ppt/slides/slide8.xml><?xml version="1.0" encoding="utf-8"?>
-<p:sld xmlns:a="http://schemas.openxmlformats.org/drawingml/2006/main" xmlns:r="http://schemas.openxmlformats.org/officeDocument/2006/relationships" xmlns:p="http://schemas.openxmlformats.org/presentationml/2006/main">
-  <p:cSld>
-    <p:spTree>
-      <p:nvGrpSpPr>
-        <p:cNvPr id="1" name=""/>
-        <p:cNvGrpSpPr/>
-        <p:nvPr/>
-      </p:nvGrpSpPr>
-      <p:grpSpPr>
-        <a:xfrm>
-          <a:off x="0" y="0"/>
-          <a:ext cx="0" cy="0"/>
-          <a:chOff x="0" y="0"/>
-          <a:chExt cx="0" cy="0"/>
-        </a:xfrm>
-      </p:grpSpPr>
-      <p:sp>
-        <p:nvSpPr>
-          <p:cNvPr id="2" name="Title 1"/>
-          <p:cNvSpPr>
-            <a:spLocks noGrp="1"/>
-          </p:cNvSpPr>
-          <p:nvPr>
-            <p:ph type="title"/>
-          </p:nvPr>
-        </p:nvSpPr>
-        <p:spPr/>
-        <p:txBody>
-          <a:bodyPr/>
-          <a:lstStyle/>
-          <a:p>
-            <a:r>
-              <a:rPr lang="en-GB" b="1" dirty="0"/>
-              <a:t>Unified Modelling Language</a:t>
-            </a:r>
-          </a:p>
-        </p:txBody>
-      </p:sp>
-      <p:pic>
-        <p:nvPicPr>
-          <p:cNvPr id="4" name="Content Placeholder 3">
-            <a:extLst>
-              <a:ext uri="{FF2B5EF4-FFF2-40B4-BE49-F238E27FC236}">
-                <a16:creationId xmlns:a16="http://schemas.microsoft.com/office/drawing/2014/main" id="{518A3D23-3AD4-42CB-B6B2-2C09655F3982}"/>
-              </a:ext>
-            </a:extLst>
-          </p:cNvPr>
-          <p:cNvPicPr>
-            <a:picLocks noGrp="1" noChangeAspect="1"/>
-          </p:cNvPicPr>
-          <p:nvPr>
-            <p:ph idx="1"/>
-          </p:nvPr>
-        </p:nvPicPr>
-        <p:blipFill>
-          <a:blip r:embed="rId2" cstate="print">
-            <a:extLst>
-              <a:ext uri="{28A0092B-C50C-407E-A947-70E740481C1C}">
-                <a14:useLocalDpi xmlns:a14="http://schemas.microsoft.com/office/drawing/2010/main" val="0"/>
-              </a:ext>
-            </a:extLst>
-          </a:blip>
-          <a:srcRect/>
-          <a:stretch/>
-        </p:blipFill>
-        <p:spPr>
-          <a:xfrm>
-            <a:off x="1265859" y="2201862"/>
-            <a:ext cx="7419617" cy="2454274"/>
-          </a:xfrm>
-          <a:prstGeom prst="rect">
-            <a:avLst/>
-          </a:prstGeom>
-        </p:spPr>
-      </p:pic>
-    </p:spTree>
-    <p:extLst>
-      <p:ext uri="{BB962C8B-B14F-4D97-AF65-F5344CB8AC3E}">
-        <p14:creationId xmlns:p14="http://schemas.microsoft.com/office/powerpoint/2010/main" val="3030490415"/>
-      </p:ext>
-    </p:extLst>
-  </p:cSld>
-  <p:clrMapOvr>
-    <a:masterClrMapping/>
-  </p:clrMapOvr>
-</p:sld>
-</file>
-
-<file path=ppt/slides/slide9.xml><?xml version="1.0" encoding="utf-8"?>
-<p:sld xmlns:a="http://schemas.openxmlformats.org/drawingml/2006/main" xmlns:r="http://schemas.openxmlformats.org/officeDocument/2006/relationships" xmlns:p="http://schemas.openxmlformats.org/presentationml/2006/main">
-  <p:cSld>
-    <p:spTree>
-      <p:nvGrpSpPr>
-        <p:cNvPr id="1" name=""/>
-        <p:cNvGrpSpPr/>
-        <p:nvPr/>
-      </p:nvGrpSpPr>
-      <p:grpSpPr>
-        <a:xfrm>
-          <a:off x="0" y="0"/>
-          <a:ext cx="0" cy="0"/>
-          <a:chOff x="0" y="0"/>
-          <a:chExt cx="0" cy="0"/>
-        </a:xfrm>
-      </p:grpSpPr>
-      <p:sp>
-        <p:nvSpPr>
-          <p:cNvPr id="2" name="Title 1"/>
-          <p:cNvSpPr>
-            <a:spLocks noGrp="1"/>
-          </p:cNvSpPr>
-          <p:nvPr>
-            <p:ph type="title"/>
-          </p:nvPr>
-        </p:nvSpPr>
-        <p:spPr/>
-        <p:txBody>
-          <a:bodyPr/>
-          <a:lstStyle/>
-          <a:p>
-            <a:r>
-              <a:rPr lang="en-GB" dirty="0"/>
-              <a:t>Entity–relationship model</a:t>
-            </a:r>
-            <a:endParaRPr lang="en-GB" b="1" dirty="0"/>
-          </a:p>
-        </p:txBody>
-      </p:sp>
-      <p:pic>
-        <p:nvPicPr>
-          <p:cNvPr id="4" name="Content Placeholder 3">
-            <a:extLst>
-              <a:ext uri="{FF2B5EF4-FFF2-40B4-BE49-F238E27FC236}">
-                <a16:creationId xmlns:a16="http://schemas.microsoft.com/office/drawing/2014/main" id="{518A3D23-3AD4-42CB-B6B2-2C09655F3982}"/>
-              </a:ext>
-            </a:extLst>
-          </p:cNvPr>
-          <p:cNvPicPr>
-            <a:picLocks noGrp="1" noChangeAspect="1"/>
-          </p:cNvPicPr>
-          <p:nvPr>
-            <p:ph idx="1"/>
-          </p:nvPr>
-        </p:nvPicPr>
-        <p:blipFill>
-          <a:blip r:embed="rId2">
-            <a:extLst>
-              <a:ext uri="{28A0092B-C50C-407E-A947-70E740481C1C}">
-                <a14:useLocalDpi xmlns:a14="http://schemas.microsoft.com/office/drawing/2010/main" val="0"/>
-              </a:ext>
-            </a:extLst>
-          </a:blip>
-          <a:srcRect/>
-          <a:stretch/>
-        </p:blipFill>
-        <p:spPr>
-          <a:xfrm>
-            <a:off x="2876229" y="1488281"/>
-            <a:ext cx="4198878" cy="3881437"/>
-          </a:xfrm>
-          <a:prstGeom prst="rect">
-            <a:avLst/>
-          </a:prstGeom>
-        </p:spPr>
-      </p:pic>
-    </p:spTree>
-    <p:extLst>
-      <p:ext uri="{BB962C8B-B14F-4D97-AF65-F5344CB8AC3E}">
-        <p14:creationId xmlns:p14="http://schemas.microsoft.com/office/powerpoint/2010/main" val="1468845867"/>
-      </p:ext>
-    </p:extLst>
-  </p:cSld>
-  <p:clrMapOvr>
-    <a:masterClrMapping/>
-  </p:clrMapOvr>
+  <p:timing>
+    <p:tnLst>
+      <p:par>
+        <p:cTn id="1" dur="indefinite" restart="never" nodeType="tmRoot"/>
+      </p:par>
+    </p:tnLst>
+  </p:timing>
 </p:sld>
 </file>
 
